--- a/Ebola_forecast_NEFI.pptx
+++ b/Ebola_forecast_NEFI.pptx
@@ -12,10 +12,8 @@
     <p:sldId id="261" r:id="rId6"/>
     <p:sldId id="268" r:id="rId7"/>
     <p:sldId id="262" r:id="rId8"/>
-    <p:sldId id="263" r:id="rId9"/>
-    <p:sldId id="264" r:id="rId10"/>
-    <p:sldId id="265" r:id="rId11"/>
-    <p:sldId id="266" r:id="rId12"/>
+    <p:sldId id="269" r:id="rId9"/>
+    <p:sldId id="263" r:id="rId10"/>
   </p:sldIdLst>
   <p:sldSz cx="12192000" cy="6858000"/>
   <p:notesSz cx="6858000" cy="9144000"/>
@@ -3309,7 +3307,7 @@
           <a:p>
             <a:fld id="{EA2BA0D0-8148-4BA0-854A-041A2BCD7C2E}" type="datetimeFigureOut">
               <a:rPr lang="en-US" smtClean="0"/>
-              <a:t>8/1/2019</a:t>
+              <a:t>8/2/2019</a:t>
             </a:fld>
             <a:endParaRPr lang="en-US"/>
           </a:p>
@@ -3507,7 +3505,7 @@
           <a:p>
             <a:fld id="{EA2BA0D0-8148-4BA0-854A-041A2BCD7C2E}" type="datetimeFigureOut">
               <a:rPr lang="en-US" smtClean="0"/>
-              <a:t>8/1/2019</a:t>
+              <a:t>8/2/2019</a:t>
             </a:fld>
             <a:endParaRPr lang="en-US"/>
           </a:p>
@@ -3715,7 +3713,7 @@
           <a:p>
             <a:fld id="{EA2BA0D0-8148-4BA0-854A-041A2BCD7C2E}" type="datetimeFigureOut">
               <a:rPr lang="en-US" smtClean="0"/>
-              <a:t>8/1/2019</a:t>
+              <a:t>8/2/2019</a:t>
             </a:fld>
             <a:endParaRPr lang="en-US"/>
           </a:p>
@@ -3913,7 +3911,7 @@
           <a:p>
             <a:fld id="{EA2BA0D0-8148-4BA0-854A-041A2BCD7C2E}" type="datetimeFigureOut">
               <a:rPr lang="en-US" smtClean="0"/>
-              <a:t>8/1/2019</a:t>
+              <a:t>8/2/2019</a:t>
             </a:fld>
             <a:endParaRPr lang="en-US"/>
           </a:p>
@@ -4188,7 +4186,7 @@
           <a:p>
             <a:fld id="{EA2BA0D0-8148-4BA0-854A-041A2BCD7C2E}" type="datetimeFigureOut">
               <a:rPr lang="en-US" smtClean="0"/>
-              <a:t>8/1/2019</a:t>
+              <a:t>8/2/2019</a:t>
             </a:fld>
             <a:endParaRPr lang="en-US"/>
           </a:p>
@@ -4453,7 +4451,7 @@
           <a:p>
             <a:fld id="{EA2BA0D0-8148-4BA0-854A-041A2BCD7C2E}" type="datetimeFigureOut">
               <a:rPr lang="en-US" smtClean="0"/>
-              <a:t>8/1/2019</a:t>
+              <a:t>8/2/2019</a:t>
             </a:fld>
             <a:endParaRPr lang="en-US"/>
           </a:p>
@@ -4865,7 +4863,7 @@
           <a:p>
             <a:fld id="{EA2BA0D0-8148-4BA0-854A-041A2BCD7C2E}" type="datetimeFigureOut">
               <a:rPr lang="en-US" smtClean="0"/>
-              <a:t>8/1/2019</a:t>
+              <a:t>8/2/2019</a:t>
             </a:fld>
             <a:endParaRPr lang="en-US"/>
           </a:p>
@@ -5006,7 +5004,7 @@
           <a:p>
             <a:fld id="{EA2BA0D0-8148-4BA0-854A-041A2BCD7C2E}" type="datetimeFigureOut">
               <a:rPr lang="en-US" smtClean="0"/>
-              <a:t>8/1/2019</a:t>
+              <a:t>8/2/2019</a:t>
             </a:fld>
             <a:endParaRPr lang="en-US"/>
           </a:p>
@@ -5119,7 +5117,7 @@
           <a:p>
             <a:fld id="{EA2BA0D0-8148-4BA0-854A-041A2BCD7C2E}" type="datetimeFigureOut">
               <a:rPr lang="en-US" smtClean="0"/>
-              <a:t>8/1/2019</a:t>
+              <a:t>8/2/2019</a:t>
             </a:fld>
             <a:endParaRPr lang="en-US"/>
           </a:p>
@@ -5430,7 +5428,7 @@
           <a:p>
             <a:fld id="{EA2BA0D0-8148-4BA0-854A-041A2BCD7C2E}" type="datetimeFigureOut">
               <a:rPr lang="en-US" smtClean="0"/>
-              <a:t>8/1/2019</a:t>
+              <a:t>8/2/2019</a:t>
             </a:fld>
             <a:endParaRPr lang="en-US"/>
           </a:p>
@@ -5718,7 +5716,7 @@
           <a:p>
             <a:fld id="{EA2BA0D0-8148-4BA0-854A-041A2BCD7C2E}" type="datetimeFigureOut">
               <a:rPr lang="en-US" smtClean="0"/>
-              <a:t>8/1/2019</a:t>
+              <a:t>8/2/2019</a:t>
             </a:fld>
             <a:endParaRPr lang="en-US"/>
           </a:p>
@@ -5959,7 +5957,7 @@
           <a:p>
             <a:fld id="{EA2BA0D0-8148-4BA0-854A-041A2BCD7C2E}" type="datetimeFigureOut">
               <a:rPr lang="en-US" smtClean="0"/>
-              <a:t>8/1/2019</a:t>
+              <a:t>8/2/2019</a:t>
             </a:fld>
             <a:endParaRPr lang="en-US"/>
           </a:p>
@@ -6706,222 +6704,6 @@
   </p:cSld>
   <p:clrMapOvr>
     <a:overrideClrMapping bg1="dk1" tx1="lt1" bg2="dk2" tx2="lt2" accent1="accent1" accent2="accent2" accent3="accent3" accent4="accent4" accent5="accent5" accent6="accent6" hlink="hlink" folHlink="folHlink"/>
-  </p:clrMapOvr>
-</p:sld>
-</file>
-
-<file path=ppt/slides/slide10.xml><?xml version="1.0" encoding="utf-8"?>
-<p:sld xmlns:a="http://schemas.openxmlformats.org/drawingml/2006/main" xmlns:r="http://schemas.openxmlformats.org/officeDocument/2006/relationships" xmlns:p="http://schemas.openxmlformats.org/presentationml/2006/main">
-  <p:cSld>
-    <p:spTree>
-      <p:nvGrpSpPr>
-        <p:cNvPr id="1" name=""/>
-        <p:cNvGrpSpPr/>
-        <p:nvPr/>
-      </p:nvGrpSpPr>
-      <p:grpSpPr>
-        <a:xfrm>
-          <a:off x="0" y="0"/>
-          <a:ext cx="0" cy="0"/>
-          <a:chOff x="0" y="0"/>
-          <a:chExt cx="0" cy="0"/>
-        </a:xfrm>
-      </p:grpSpPr>
-      <p:sp>
-        <p:nvSpPr>
-          <p:cNvPr id="2" name="Title 1">
-            <a:extLst>
-              <a:ext uri="{FF2B5EF4-FFF2-40B4-BE49-F238E27FC236}">
-                <a16:creationId xmlns:a16="http://schemas.microsoft.com/office/drawing/2014/main" id="{8A554DE2-E81A-4C22-9020-E94F12F589DA}"/>
-              </a:ext>
-            </a:extLst>
-          </p:cNvPr>
-          <p:cNvSpPr>
-            <a:spLocks noGrp="1"/>
-          </p:cNvSpPr>
-          <p:nvPr>
-            <p:ph type="title"/>
-          </p:nvPr>
-        </p:nvSpPr>
-        <p:spPr/>
-        <p:txBody>
-          <a:bodyPr/>
-          <a:lstStyle/>
-          <a:p>
-            <a:r>
-              <a:rPr lang="en-US" dirty="0"/>
-              <a:t>Conclusions</a:t>
-            </a:r>
-          </a:p>
-        </p:txBody>
-      </p:sp>
-      <p:sp>
-        <p:nvSpPr>
-          <p:cNvPr id="3" name="Content Placeholder 2">
-            <a:extLst>
-              <a:ext uri="{FF2B5EF4-FFF2-40B4-BE49-F238E27FC236}">
-                <a16:creationId xmlns:a16="http://schemas.microsoft.com/office/drawing/2014/main" id="{3B51B00C-3CE5-414C-9351-4FCA2DC2C5B2}"/>
-              </a:ext>
-            </a:extLst>
-          </p:cNvPr>
-          <p:cNvSpPr>
-            <a:spLocks noGrp="1"/>
-          </p:cNvSpPr>
-          <p:nvPr>
-            <p:ph sz="half" idx="1"/>
-          </p:nvPr>
-        </p:nvSpPr>
-        <p:spPr/>
-        <p:txBody>
-          <a:bodyPr/>
-          <a:lstStyle/>
-          <a:p>
-            <a:endParaRPr lang="en-US"/>
-          </a:p>
-        </p:txBody>
-      </p:sp>
-      <p:sp>
-        <p:nvSpPr>
-          <p:cNvPr id="4" name="Content Placeholder 3">
-            <a:extLst>
-              <a:ext uri="{FF2B5EF4-FFF2-40B4-BE49-F238E27FC236}">
-                <a16:creationId xmlns:a16="http://schemas.microsoft.com/office/drawing/2014/main" id="{39AE752F-50DC-42AB-87A4-8B9A66DFFB90}"/>
-              </a:ext>
-            </a:extLst>
-          </p:cNvPr>
-          <p:cNvSpPr>
-            <a:spLocks noGrp="1"/>
-          </p:cNvSpPr>
-          <p:nvPr>
-            <p:ph sz="half" idx="2"/>
-          </p:nvPr>
-        </p:nvSpPr>
-        <p:spPr/>
-        <p:txBody>
-          <a:bodyPr/>
-          <a:lstStyle/>
-          <a:p>
-            <a:endParaRPr lang="en-US"/>
-          </a:p>
-        </p:txBody>
-      </p:sp>
-    </p:spTree>
-    <p:extLst>
-      <p:ext uri="{BB962C8B-B14F-4D97-AF65-F5344CB8AC3E}">
-        <p14:creationId xmlns:p14="http://schemas.microsoft.com/office/powerpoint/2010/main" val="3828913414"/>
-      </p:ext>
-    </p:extLst>
-  </p:cSld>
-  <p:clrMapOvr>
-    <a:masterClrMapping/>
-  </p:clrMapOvr>
-</p:sld>
-</file>
-
-<file path=ppt/slides/slide11.xml><?xml version="1.0" encoding="utf-8"?>
-<p:sld xmlns:a="http://schemas.openxmlformats.org/drawingml/2006/main" xmlns:r="http://schemas.openxmlformats.org/officeDocument/2006/relationships" xmlns:p="http://schemas.openxmlformats.org/presentationml/2006/main">
-  <p:cSld>
-    <p:spTree>
-      <p:nvGrpSpPr>
-        <p:cNvPr id="1" name=""/>
-        <p:cNvGrpSpPr/>
-        <p:nvPr/>
-      </p:nvGrpSpPr>
-      <p:grpSpPr>
-        <a:xfrm>
-          <a:off x="0" y="0"/>
-          <a:ext cx="0" cy="0"/>
-          <a:chOff x="0" y="0"/>
-          <a:chExt cx="0" cy="0"/>
-        </a:xfrm>
-      </p:grpSpPr>
-      <p:sp>
-        <p:nvSpPr>
-          <p:cNvPr id="2" name="Title 1">
-            <a:extLst>
-              <a:ext uri="{FF2B5EF4-FFF2-40B4-BE49-F238E27FC236}">
-                <a16:creationId xmlns:a16="http://schemas.microsoft.com/office/drawing/2014/main" id="{B78FA8E5-90C8-4176-9DDD-9C8031243639}"/>
-              </a:ext>
-            </a:extLst>
-          </p:cNvPr>
-          <p:cNvSpPr>
-            <a:spLocks noGrp="1"/>
-          </p:cNvSpPr>
-          <p:nvPr>
-            <p:ph type="title"/>
-          </p:nvPr>
-        </p:nvSpPr>
-        <p:spPr/>
-        <p:txBody>
-          <a:bodyPr/>
-          <a:lstStyle/>
-          <a:p>
-            <a:r>
-              <a:rPr lang="en-US" dirty="0"/>
-              <a:t>Future directions</a:t>
-            </a:r>
-          </a:p>
-        </p:txBody>
-      </p:sp>
-      <p:sp>
-        <p:nvSpPr>
-          <p:cNvPr id="3" name="Content Placeholder 2">
-            <a:extLst>
-              <a:ext uri="{FF2B5EF4-FFF2-40B4-BE49-F238E27FC236}">
-                <a16:creationId xmlns:a16="http://schemas.microsoft.com/office/drawing/2014/main" id="{8BAB7E7E-C435-40ED-AA96-2C5AD2064816}"/>
-              </a:ext>
-            </a:extLst>
-          </p:cNvPr>
-          <p:cNvSpPr>
-            <a:spLocks noGrp="1"/>
-          </p:cNvSpPr>
-          <p:nvPr>
-            <p:ph sz="half" idx="1"/>
-          </p:nvPr>
-        </p:nvSpPr>
-        <p:spPr/>
-        <p:txBody>
-          <a:bodyPr/>
-          <a:lstStyle/>
-          <a:p>
-            <a:endParaRPr lang="en-US"/>
-          </a:p>
-        </p:txBody>
-      </p:sp>
-      <p:sp>
-        <p:nvSpPr>
-          <p:cNvPr id="4" name="Content Placeholder 3">
-            <a:extLst>
-              <a:ext uri="{FF2B5EF4-FFF2-40B4-BE49-F238E27FC236}">
-                <a16:creationId xmlns:a16="http://schemas.microsoft.com/office/drawing/2014/main" id="{736E42F0-278A-4FF6-980D-3178ABFF1E47}"/>
-              </a:ext>
-            </a:extLst>
-          </p:cNvPr>
-          <p:cNvSpPr>
-            <a:spLocks noGrp="1"/>
-          </p:cNvSpPr>
-          <p:nvPr>
-            <p:ph sz="half" idx="2"/>
-          </p:nvPr>
-        </p:nvSpPr>
-        <p:spPr/>
-        <p:txBody>
-          <a:bodyPr/>
-          <a:lstStyle/>
-          <a:p>
-            <a:endParaRPr lang="en-US"/>
-          </a:p>
-        </p:txBody>
-      </p:sp>
-    </p:spTree>
-    <p:extLst>
-      <p:ext uri="{BB962C8B-B14F-4D97-AF65-F5344CB8AC3E}">
-        <p14:creationId xmlns:p14="http://schemas.microsoft.com/office/powerpoint/2010/main" val="1416811017"/>
-      </p:ext>
-    </p:extLst>
-  </p:cSld>
-  <p:clrMapOvr>
-    <a:masterClrMapping/>
   </p:clrMapOvr>
 </p:sld>
 </file>
@@ -8943,6 +8725,14 @@
 <file path=ppt/slides/slide8.xml><?xml version="1.0" encoding="utf-8"?>
 <p:sld xmlns:a="http://schemas.openxmlformats.org/drawingml/2006/main" xmlns:r="http://schemas.openxmlformats.org/officeDocument/2006/relationships" xmlns:p="http://schemas.openxmlformats.org/presentationml/2006/main">
   <p:cSld>
+    <p:bg>
+      <p:bgPr>
+        <a:solidFill>
+          <a:schemeClr val="bg1"/>
+        </a:solidFill>
+        <a:effectLst/>
+      </p:bgPr>
+    </p:bg>
     <p:spTree>
       <p:nvGrpSpPr>
         <p:cNvPr id="1" name=""/>
@@ -8959,63 +8749,136 @@
       </p:grpSpPr>
       <p:sp>
         <p:nvSpPr>
-          <p:cNvPr id="2" name="Title 1">
-            <a:extLst>
-              <a:ext uri="{FF2B5EF4-FFF2-40B4-BE49-F238E27FC236}">
-                <a16:creationId xmlns:a16="http://schemas.microsoft.com/office/drawing/2014/main" id="{C2268331-207C-4175-971D-D0254B7F5672}"/>
+          <p:cNvPr id="10" name="Rectangle 9">
+            <a:extLst>
+              <a:ext uri="{FF2B5EF4-FFF2-40B4-BE49-F238E27FC236}">
+                <a16:creationId xmlns:a16="http://schemas.microsoft.com/office/drawing/2014/main" id="{6753252F-4873-4F63-801D-CC719279A7D5}"/>
+              </a:ext>
+              <a:ext uri="{C183D7F6-B498-43B3-948B-1728B52AA6E4}">
+                <adec:decorative xmlns:adec="http://schemas.microsoft.com/office/drawing/2017/decorative" val="1"/>
               </a:ext>
             </a:extLst>
           </p:cNvPr>
           <p:cNvSpPr>
-            <a:spLocks noGrp="1"/>
+            <a:spLocks noGrp="1" noRot="1" noChangeAspect="1" noMove="1" noResize="1" noEditPoints="1" noAdjustHandles="1" noChangeArrowheads="1" noChangeShapeType="1" noTextEdit="1"/>
           </p:cNvSpPr>
           <p:nvPr>
-            <p:ph type="title"/>
+            <p:extLst>
+              <p:ext uri="{386F3935-93C4-4BCD-93E2-E3B085C9AB24}">
+                <p16:designElem xmlns:p16="http://schemas.microsoft.com/office/powerpoint/2015/main" val="1"/>
+              </p:ext>
+            </p:extLst>
           </p:nvPr>
         </p:nvSpPr>
-        <p:spPr/>
+        <p:spPr>
+          <a:xfrm>
+            <a:off x="0" y="0"/>
+            <a:ext cx="12192000" cy="6858000"/>
+          </a:xfrm>
+          <a:prstGeom prst="rect">
+            <a:avLst/>
+          </a:prstGeom>
+          <a:solidFill>
+            <a:srgbClr val="FFFFFF"/>
+          </a:solidFill>
+          <a:ln>
+            <a:noFill/>
+          </a:ln>
+        </p:spPr>
+        <p:style>
+          <a:lnRef idx="2">
+            <a:schemeClr val="accent1">
+              <a:shade val="50000"/>
+            </a:schemeClr>
+          </a:lnRef>
+          <a:fillRef idx="1">
+            <a:schemeClr val="accent1"/>
+          </a:fillRef>
+          <a:effectRef idx="0">
+            <a:schemeClr val="accent1"/>
+          </a:effectRef>
+          <a:fontRef idx="minor">
+            <a:schemeClr val="lt1"/>
+          </a:fontRef>
+        </p:style>
         <p:txBody>
-          <a:bodyPr/>
+          <a:bodyPr rtlCol="0" anchor="ctr"/>
           <a:lstStyle/>
           <a:p>
-            <a:r>
-              <a:rPr lang="en-US" dirty="0"/>
-              <a:t>Model 3: surface friction weighted distance</a:t>
-            </a:r>
+            <a:pPr algn="ctr"/>
+            <a:endParaRPr lang="en-US"/>
           </a:p>
         </p:txBody>
       </p:sp>
       <p:sp>
         <p:nvSpPr>
-          <p:cNvPr id="3" name="Content Placeholder 2">
-            <a:extLst>
-              <a:ext uri="{FF2B5EF4-FFF2-40B4-BE49-F238E27FC236}">
-                <a16:creationId xmlns:a16="http://schemas.microsoft.com/office/drawing/2014/main" id="{241EBFFA-F6B1-4B75-8D10-7B0A7326EA32}"/>
+          <p:cNvPr id="12" name="Rectangle 11">
+            <a:extLst>
+              <a:ext uri="{FF2B5EF4-FFF2-40B4-BE49-F238E27FC236}">
+                <a16:creationId xmlns:a16="http://schemas.microsoft.com/office/drawing/2014/main" id="{047C8CCB-F95D-4249-92DD-651249D3535A}"/>
+              </a:ext>
+              <a:ext uri="{C183D7F6-B498-43B3-948B-1728B52AA6E4}">
+                <adec:decorative xmlns:adec="http://schemas.microsoft.com/office/drawing/2017/decorative" val="1"/>
               </a:ext>
             </a:extLst>
           </p:cNvPr>
           <p:cNvSpPr>
-            <a:spLocks noGrp="1"/>
+            <a:spLocks noGrp="1" noRot="1" noChangeAspect="1" noMove="1" noResize="1" noEditPoints="1" noAdjustHandles="1" noChangeArrowheads="1" noChangeShapeType="1" noTextEdit="1"/>
           </p:cNvSpPr>
           <p:nvPr>
-            <p:ph sz="half" idx="1"/>
+            <p:extLst>
+              <p:ext uri="{386F3935-93C4-4BCD-93E2-E3B085C9AB24}">
+                <p16:designElem xmlns:p16="http://schemas.microsoft.com/office/powerpoint/2015/main" val="1"/>
+              </p:ext>
+            </p:extLst>
           </p:nvPr>
         </p:nvSpPr>
-        <p:spPr/>
+        <p:spPr>
+          <a:xfrm>
+            <a:off x="0" y="0"/>
+            <a:ext cx="2013557" cy="6858000"/>
+          </a:xfrm>
+          <a:prstGeom prst="rect">
+            <a:avLst/>
+          </a:prstGeom>
+          <a:solidFill>
+            <a:srgbClr val="615F4A"/>
+          </a:solidFill>
+          <a:ln>
+            <a:noFill/>
+          </a:ln>
+        </p:spPr>
+        <p:style>
+          <a:lnRef idx="2">
+            <a:schemeClr val="accent1">
+              <a:shade val="50000"/>
+            </a:schemeClr>
+          </a:lnRef>
+          <a:fillRef idx="1">
+            <a:schemeClr val="accent1"/>
+          </a:fillRef>
+          <a:effectRef idx="0">
+            <a:schemeClr val="accent1"/>
+          </a:effectRef>
+          <a:fontRef idx="minor">
+            <a:schemeClr val="lt1"/>
+          </a:fontRef>
+        </p:style>
         <p:txBody>
-          <a:bodyPr/>
+          <a:bodyPr rtlCol="0" anchor="ctr"/>
           <a:lstStyle/>
           <a:p>
+            <a:pPr algn="ctr"/>
             <a:endParaRPr lang="en-US"/>
           </a:p>
         </p:txBody>
       </p:sp>
       <p:sp>
         <p:nvSpPr>
-          <p:cNvPr id="4" name="Content Placeholder 3">
-            <a:extLst>
-              <a:ext uri="{FF2B5EF4-FFF2-40B4-BE49-F238E27FC236}">
-                <a16:creationId xmlns:a16="http://schemas.microsoft.com/office/drawing/2014/main" id="{42DF74FC-2275-40A8-BA74-C333775A1979}"/>
+          <p:cNvPr id="2" name="Title 1">
+            <a:extLst>
+              <a:ext uri="{FF2B5EF4-FFF2-40B4-BE49-F238E27FC236}">
+                <a16:creationId xmlns:a16="http://schemas.microsoft.com/office/drawing/2014/main" id="{AB261ED2-7FE8-456E-A60D-20C5D0A9C3EF}"/>
               </a:ext>
             </a:extLst>
           </p:cNvPr>
@@ -9023,22 +8886,89 @@
             <a:spLocks noGrp="1"/>
           </p:cNvSpPr>
           <p:nvPr>
-            <p:ph sz="half" idx="2"/>
+            <p:ph type="title"/>
           </p:nvPr>
         </p:nvSpPr>
-        <p:spPr/>
+        <p:spPr>
+          <a:xfrm>
+            <a:off x="640080" y="2074363"/>
+            <a:ext cx="2752354" cy="2709275"/>
+          </a:xfrm>
+          <a:prstGeom prst="ellipse">
+            <a:avLst/>
+          </a:prstGeom>
+          <a:solidFill>
+            <a:srgbClr val="262626"/>
+          </a:solidFill>
+          <a:ln w="174625" cmpd="thinThick">
+            <a:solidFill>
+              <a:srgbClr val="262626"/>
+            </a:solidFill>
+          </a:ln>
+        </p:spPr>
         <p:txBody>
-          <a:bodyPr/>
+          <a:bodyPr vert="horz" lIns="91440" tIns="45720" rIns="91440" bIns="45720" rtlCol="0" anchor="ctr">
+            <a:normAutofit/>
+          </a:bodyPr>
           <a:lstStyle/>
           <a:p>
-            <a:endParaRPr lang="en-US"/>
+            <a:pPr algn="ctr"/>
+            <a:r>
+              <a:rPr lang="en-US" sz="2600" kern="1200">
+                <a:solidFill>
+                  <a:srgbClr val="FFFFFF"/>
+                </a:solidFill>
+                <a:latin typeface="+mj-lt"/>
+                <a:ea typeface="+mj-ea"/>
+                <a:cs typeface="+mj-cs"/>
+              </a:rPr>
+              <a:t>Model 2: Forecast</a:t>
+            </a:r>
           </a:p>
         </p:txBody>
       </p:sp>
+      <p:pic>
+        <p:nvPicPr>
+          <p:cNvPr id="5" name="Content Placeholder 4" descr="A close up of a map&#10;&#10;Description automatically generated">
+            <a:extLst>
+              <a:ext uri="{FF2B5EF4-FFF2-40B4-BE49-F238E27FC236}">
+                <a16:creationId xmlns:a16="http://schemas.microsoft.com/office/drawing/2014/main" id="{2D1976DD-E3AB-4662-A68F-9ECF83391EEF}"/>
+              </a:ext>
+            </a:extLst>
+          </p:cNvPr>
+          <p:cNvPicPr>
+            <a:picLocks noGrp="1" noChangeAspect="1"/>
+          </p:cNvPicPr>
+          <p:nvPr>
+            <p:ph idx="1"/>
+          </p:nvPr>
+        </p:nvPicPr>
+        <p:blipFill>
+          <a:blip r:embed="rId2">
+            <a:extLst>
+              <a:ext uri="{28A0092B-C50C-407E-A947-70E740481C1C}">
+                <a14:useLocalDpi xmlns:a14="http://schemas.microsoft.com/office/drawing/2010/main" val="0"/>
+              </a:ext>
+            </a:extLst>
+          </a:blip>
+          <a:stretch>
+            <a:fillRect/>
+          </a:stretch>
+        </p:blipFill>
+        <p:spPr>
+          <a:xfrm>
+            <a:off x="3531704" y="1063632"/>
+            <a:ext cx="8250826" cy="5198020"/>
+          </a:xfrm>
+          <a:prstGeom prst="rect">
+            <a:avLst/>
+          </a:prstGeom>
+        </p:spPr>
+      </p:pic>
     </p:spTree>
     <p:extLst>
       <p:ext uri="{BB962C8B-B14F-4D97-AF65-F5344CB8AC3E}">
-        <p14:creationId xmlns:p14="http://schemas.microsoft.com/office/powerpoint/2010/main" val="1163730080"/>
+        <p14:creationId xmlns:p14="http://schemas.microsoft.com/office/powerpoint/2010/main" val="3826777146"/>
       </p:ext>
     </p:extLst>
   </p:cSld>
@@ -9070,7 +9000,7 @@
           <p:cNvPr id="2" name="Title 1">
             <a:extLst>
               <a:ext uri="{FF2B5EF4-FFF2-40B4-BE49-F238E27FC236}">
-                <a16:creationId xmlns:a16="http://schemas.microsoft.com/office/drawing/2014/main" id="{8651CA71-1984-468C-9D16-D3FFF9FA8E49}"/>
+                <a16:creationId xmlns:a16="http://schemas.microsoft.com/office/drawing/2014/main" id="{C2268331-207C-4175-971D-D0254B7F5672}"/>
               </a:ext>
             </a:extLst>
           </p:cNvPr>
@@ -9081,24 +9011,30 @@
             <p:ph type="title"/>
           </p:nvPr>
         </p:nvSpPr>
-        <p:spPr/>
+        <p:spPr>
+          <a:xfrm>
+            <a:off x="838200" y="365125"/>
+            <a:ext cx="10515600" cy="1325563"/>
+          </a:xfrm>
+        </p:spPr>
         <p:txBody>
           <a:bodyPr/>
           <a:lstStyle/>
           <a:p>
             <a:r>
-              <a:rPr lang="en-US" dirty="0"/>
-              <a:t>Model comparison</a:t>
+              <a:rPr lang="en-US"/>
+              <a:t>Model 3: surface friction weighted distance</a:t>
             </a:r>
+            <a:endParaRPr lang="en-US" dirty="0"/>
           </a:p>
         </p:txBody>
       </p:sp>
       <p:sp>
         <p:nvSpPr>
-          <p:cNvPr id="3" name="Content Placeholder 2">
-            <a:extLst>
-              <a:ext uri="{FF2B5EF4-FFF2-40B4-BE49-F238E27FC236}">
-                <a16:creationId xmlns:a16="http://schemas.microsoft.com/office/drawing/2014/main" id="{D87B8D45-9EFE-4BC6-9AF5-E31992500AB6}"/>
+          <p:cNvPr id="5" name="Content Placeholder 4">
+            <a:extLst>
+              <a:ext uri="{FF2B5EF4-FFF2-40B4-BE49-F238E27FC236}">
+                <a16:creationId xmlns:a16="http://schemas.microsoft.com/office/drawing/2014/main" id="{ADF31101-1066-49B4-A8A5-8C226704B695}"/>
               </a:ext>
             </a:extLst>
           </p:cNvPr>
@@ -9106,47 +9042,51 @@
             <a:spLocks noGrp="1"/>
           </p:cNvSpPr>
           <p:nvPr>
-            <p:ph sz="half" idx="1"/>
+            <p:ph idx="1"/>
           </p:nvPr>
         </p:nvSpPr>
-        <p:spPr/>
+        <p:spPr>
+          <a:xfrm>
+            <a:off x="838200" y="1825625"/>
+            <a:ext cx="10515600" cy="4351338"/>
+          </a:xfrm>
+        </p:spPr>
         <p:txBody>
           <a:bodyPr/>
           <a:lstStyle/>
           <a:p>
-            <a:endParaRPr lang="en-US"/>
-          </a:p>
-        </p:txBody>
-      </p:sp>
-      <p:sp>
-        <p:nvSpPr>
-          <p:cNvPr id="4" name="Content Placeholder 3">
-            <a:extLst>
-              <a:ext uri="{FF2B5EF4-FFF2-40B4-BE49-F238E27FC236}">
-                <a16:creationId xmlns:a16="http://schemas.microsoft.com/office/drawing/2014/main" id="{4F9A5AAD-5B2C-4C76-8809-F257D54D4A65}"/>
-              </a:ext>
-            </a:extLst>
-          </p:cNvPr>
-          <p:cNvSpPr>
-            <a:spLocks noGrp="1"/>
-          </p:cNvSpPr>
-          <p:nvPr>
-            <p:ph sz="half" idx="2"/>
-          </p:nvPr>
-        </p:nvSpPr>
-        <p:spPr/>
-        <p:txBody>
-          <a:bodyPr/>
-          <a:lstStyle/>
-          <a:p>
-            <a:endParaRPr lang="en-US"/>
+            <a:pPr marL="0" indent="0">
+              <a:buNone/>
+            </a:pPr>
+            <a:endParaRPr lang="en-US" dirty="0"/>
+          </a:p>
+          <a:p>
+            <a:pPr marL="0" indent="0">
+              <a:buNone/>
+            </a:pPr>
+            <a:endParaRPr lang="en-US" dirty="0"/>
+          </a:p>
+          <a:p>
+            <a:pPr marL="0" indent="0">
+              <a:buNone/>
+            </a:pPr>
+            <a:endParaRPr lang="en-US" dirty="0"/>
+          </a:p>
+          <a:p>
+            <a:pPr marL="0" indent="0">
+              <a:buNone/>
+            </a:pPr>
+            <a:r>
+              <a:rPr lang="en-US" dirty="0"/>
+              <a:t>…maybe next time.</a:t>
+            </a:r>
           </a:p>
         </p:txBody>
       </p:sp>
     </p:spTree>
     <p:extLst>
       <p:ext uri="{BB962C8B-B14F-4D97-AF65-F5344CB8AC3E}">
-        <p14:creationId xmlns:p14="http://schemas.microsoft.com/office/powerpoint/2010/main" val="3310199143"/>
+        <p14:creationId xmlns:p14="http://schemas.microsoft.com/office/powerpoint/2010/main" val="1163730080"/>
       </p:ext>
     </p:extLst>
   </p:cSld>
